--- a/Presentations/Progetto Finale_presentation.pptx
+++ b/Presentations/Progetto Finale_presentation.pptx
@@ -842,7 +842,7 @@
           <a:p>
             <a:fld id="{C66795C7-46EE-4EFA-82D3-F7B842F58605}" type="datetimeFigureOut">
               <a:rPr lang="it-IT" smtClean="0"/>
-              <a:t>03/04/2022</a:t>
+              <a:t>05/05/2022</a:t>
             </a:fld>
             <a:endParaRPr lang="it-IT"/>
           </a:p>
@@ -1093,7 +1093,7 @@
           <a:p>
             <a:fld id="{C66795C7-46EE-4EFA-82D3-F7B842F58605}" type="datetimeFigureOut">
               <a:rPr lang="it-IT" smtClean="0"/>
-              <a:t>03/04/2022</a:t>
+              <a:t>05/05/2022</a:t>
             </a:fld>
             <a:endParaRPr lang="it-IT"/>
           </a:p>
@@ -1407,7 +1407,7 @@
           <a:p>
             <a:fld id="{C66795C7-46EE-4EFA-82D3-F7B842F58605}" type="datetimeFigureOut">
               <a:rPr lang="it-IT" smtClean="0"/>
-              <a:t>03/04/2022</a:t>
+              <a:t>05/05/2022</a:t>
             </a:fld>
             <a:endParaRPr lang="it-IT"/>
           </a:p>
@@ -1748,7 +1748,7 @@
           <a:p>
             <a:fld id="{C66795C7-46EE-4EFA-82D3-F7B842F58605}" type="datetimeFigureOut">
               <a:rPr lang="it-IT" smtClean="0"/>
-              <a:t>03/04/2022</a:t>
+              <a:t>05/05/2022</a:t>
             </a:fld>
             <a:endParaRPr lang="it-IT"/>
           </a:p>
@@ -2062,7 +2062,7 @@
           <a:p>
             <a:fld id="{C66795C7-46EE-4EFA-82D3-F7B842F58605}" type="datetimeFigureOut">
               <a:rPr lang="it-IT" smtClean="0"/>
-              <a:t>03/04/2022</a:t>
+              <a:t>05/05/2022</a:t>
             </a:fld>
             <a:endParaRPr lang="it-IT"/>
           </a:p>
@@ -2455,7 +2455,7 @@
           <a:p>
             <a:fld id="{C66795C7-46EE-4EFA-82D3-F7B842F58605}" type="datetimeFigureOut">
               <a:rPr lang="it-IT" smtClean="0"/>
-              <a:t>03/04/2022</a:t>
+              <a:t>05/05/2022</a:t>
             </a:fld>
             <a:endParaRPr lang="it-IT"/>
           </a:p>
@@ -2625,7 +2625,7 @@
           <a:p>
             <a:fld id="{C66795C7-46EE-4EFA-82D3-F7B842F58605}" type="datetimeFigureOut">
               <a:rPr lang="it-IT" smtClean="0"/>
-              <a:t>03/04/2022</a:t>
+              <a:t>05/05/2022</a:t>
             </a:fld>
             <a:endParaRPr lang="it-IT"/>
           </a:p>
@@ -2805,7 +2805,7 @@
           <a:p>
             <a:fld id="{C66795C7-46EE-4EFA-82D3-F7B842F58605}" type="datetimeFigureOut">
               <a:rPr lang="it-IT" smtClean="0"/>
-              <a:t>03/04/2022</a:t>
+              <a:t>05/05/2022</a:t>
             </a:fld>
             <a:endParaRPr lang="it-IT"/>
           </a:p>
@@ -2981,7 +2981,7 @@
           <a:p>
             <a:fld id="{C66795C7-46EE-4EFA-82D3-F7B842F58605}" type="datetimeFigureOut">
               <a:rPr lang="it-IT" smtClean="0"/>
-              <a:t>03/04/2022</a:t>
+              <a:t>05/05/2022</a:t>
             </a:fld>
             <a:endParaRPr lang="it-IT"/>
           </a:p>
@@ -3228,7 +3228,7 @@
           <a:p>
             <a:fld id="{C66795C7-46EE-4EFA-82D3-F7B842F58605}" type="datetimeFigureOut">
               <a:rPr lang="it-IT" smtClean="0"/>
-              <a:t>03/04/2022</a:t>
+              <a:t>05/05/2022</a:t>
             </a:fld>
             <a:endParaRPr lang="it-IT"/>
           </a:p>
@@ -3460,7 +3460,7 @@
           <a:p>
             <a:fld id="{C66795C7-46EE-4EFA-82D3-F7B842F58605}" type="datetimeFigureOut">
               <a:rPr lang="it-IT" smtClean="0"/>
-              <a:t>03/04/2022</a:t>
+              <a:t>05/05/2022</a:t>
             </a:fld>
             <a:endParaRPr lang="it-IT"/>
           </a:p>
@@ -3834,7 +3834,7 @@
           <a:p>
             <a:fld id="{C66795C7-46EE-4EFA-82D3-F7B842F58605}" type="datetimeFigureOut">
               <a:rPr lang="it-IT" smtClean="0"/>
-              <a:t>03/04/2022</a:t>
+              <a:t>05/05/2022</a:t>
             </a:fld>
             <a:endParaRPr lang="it-IT"/>
           </a:p>
@@ -3957,7 +3957,7 @@
           <a:p>
             <a:fld id="{C66795C7-46EE-4EFA-82D3-F7B842F58605}" type="datetimeFigureOut">
               <a:rPr lang="it-IT" smtClean="0"/>
-              <a:t>03/04/2022</a:t>
+              <a:t>05/05/2022</a:t>
             </a:fld>
             <a:endParaRPr lang="it-IT"/>
           </a:p>
@@ -4052,7 +4052,7 @@
           <a:p>
             <a:fld id="{C66795C7-46EE-4EFA-82D3-F7B842F58605}" type="datetimeFigureOut">
               <a:rPr lang="it-IT" smtClean="0"/>
-              <a:t>03/04/2022</a:t>
+              <a:t>05/05/2022</a:t>
             </a:fld>
             <a:endParaRPr lang="it-IT"/>
           </a:p>
@@ -4307,7 +4307,7 @@
           <a:p>
             <a:fld id="{C66795C7-46EE-4EFA-82D3-F7B842F58605}" type="datetimeFigureOut">
               <a:rPr lang="it-IT" smtClean="0"/>
-              <a:t>03/04/2022</a:t>
+              <a:t>05/05/2022</a:t>
             </a:fld>
             <a:endParaRPr lang="it-IT"/>
           </a:p>
@@ -4570,7 +4570,7 @@
           <a:p>
             <a:fld id="{C66795C7-46EE-4EFA-82D3-F7B842F58605}" type="datetimeFigureOut">
               <a:rPr lang="it-IT" smtClean="0"/>
-              <a:t>03/04/2022</a:t>
+              <a:t>05/05/2022</a:t>
             </a:fld>
             <a:endParaRPr lang="it-IT"/>
           </a:p>
@@ -5313,7 +5313,7 @@
           <a:p>
             <a:fld id="{C66795C7-46EE-4EFA-82D3-F7B842F58605}" type="datetimeFigureOut">
               <a:rPr lang="it-IT" smtClean="0"/>
-              <a:t>03/04/2022</a:t>
+              <a:t>05/05/2022</a:t>
             </a:fld>
             <a:endParaRPr lang="it-IT"/>
           </a:p>
@@ -7631,7 +7631,7 @@
         </p:blipFill>
         <p:spPr>
           <a:xfrm>
-            <a:off x="817474" y="2159331"/>
+            <a:off x="930888" y="2160589"/>
             <a:ext cx="5283289" cy="3605844"/>
           </a:xfrm>
           <a:prstGeom prst="rect">
@@ -8658,10 +8658,10 @@
       </p:sp>
       <p:pic>
         <p:nvPicPr>
-          <p:cNvPr id="10" name="Segnaposto contenuto 9" descr="Immagine che contiene testo&#10;&#10;Descrizione generata automaticamente">
+          <p:cNvPr id="7" name="Segnaposto contenuto 6" descr="Immagine che contiene testo&#10;&#10;Descrizione generata automaticamente">
             <a:extLst>
               <a:ext uri="{FF2B5EF4-FFF2-40B4-BE49-F238E27FC236}">
-                <a16:creationId xmlns:a16="http://schemas.microsoft.com/office/drawing/2014/main" id="{4A50E4C7-1C93-48C3-B30A-8C862EC10DC4}"/>
+                <a16:creationId xmlns:a16="http://schemas.microsoft.com/office/drawing/2014/main" id="{404AB0A6-37A1-5298-4FBF-DE2C3F69B15A}"/>
               </a:ext>
             </a:extLst>
           </p:cNvPr>
@@ -8686,8 +8686,8 @@
         </p:blipFill>
         <p:spPr>
           <a:xfrm>
-            <a:off x="890546" y="2075291"/>
-            <a:ext cx="4282547" cy="3689406"/>
+            <a:off x="1038848" y="1930400"/>
+            <a:ext cx="5147296" cy="4043238"/>
           </a:xfrm>
         </p:spPr>
       </p:pic>
